--- a/L01_uart_stopwatch_watch/이준형_uart_stopwatch_watch.pptx
+++ b/L01_uart_stopwatch_watch/이준형_uart_stopwatch_watch.pptx
@@ -8,7 +8,7 @@
     <p:sldMasterId id="2147483762" r:id="rId4"/>
   </p:sldMasterIdLst>
   <p:notesMasterIdLst>
-    <p:notesMasterId r:id="rId33"/>
+    <p:notesMasterId r:id="rId34"/>
   </p:notesMasterIdLst>
   <p:sldIdLst>
     <p:sldId id="256" r:id="rId5"/>
@@ -32,13 +32,14 @@
     <p:sldId id="331" r:id="rId23"/>
     <p:sldId id="343" r:id="rId24"/>
     <p:sldId id="341" r:id="rId25"/>
-    <p:sldId id="326" r:id="rId26"/>
-    <p:sldId id="332" r:id="rId27"/>
-    <p:sldId id="336" r:id="rId28"/>
-    <p:sldId id="334" r:id="rId29"/>
-    <p:sldId id="335" r:id="rId30"/>
-    <p:sldId id="337" r:id="rId31"/>
-    <p:sldId id="270" r:id="rId32"/>
+    <p:sldId id="346" r:id="rId26"/>
+    <p:sldId id="326" r:id="rId27"/>
+    <p:sldId id="332" r:id="rId28"/>
+    <p:sldId id="336" r:id="rId29"/>
+    <p:sldId id="334" r:id="rId30"/>
+    <p:sldId id="335" r:id="rId31"/>
+    <p:sldId id="337" r:id="rId32"/>
+    <p:sldId id="270" r:id="rId33"/>
   </p:sldIdLst>
   <p:sldSz cx="12192000" cy="6858000"/>
   <p:notesSz cx="6858000" cy="9144000"/>
@@ -21773,6 +21774,72 @@
   <p:cSld>
     <p:spTree>
       <p:nvGrpSpPr>
+        <p:cNvPr id="1" name=""/>
+        <p:cNvGrpSpPr/>
+        <p:nvPr/>
+      </p:nvGrpSpPr>
+      <p:grpSpPr>
+        <a:xfrm>
+          <a:off x="0" y="0"/>
+          <a:ext cx="0" cy="0"/>
+          <a:chOff x="0" y="0"/>
+          <a:chExt cx="0" cy="0"/>
+        </a:xfrm>
+      </p:grpSpPr>
+      <p:sp>
+        <p:nvSpPr>
+          <p:cNvPr id="2" name="제목 1"/>
+          <p:cNvSpPr>
+            <a:spLocks noGrp="1"/>
+          </p:cNvSpPr>
+          <p:nvPr>
+            <p:ph type="title"/>
+          </p:nvPr>
+        </p:nvSpPr>
+        <p:spPr>
+          <a:xfrm>
+            <a:off x="1371600" y="685800"/>
+            <a:ext cx="9601200" cy="751114"/>
+          </a:xfrm>
+        </p:spPr>
+        <p:txBody>
+          <a:bodyPr/>
+          <a:lstStyle/>
+          <a:p>
+            <a:r>
+              <a:rPr lang="en-US" altLang="ko-KR" b="1" dirty="0"/>
+              <a:t>3. </a:t>
+            </a:r>
+            <a:r>
+              <a:rPr lang="en-US" altLang="ko-KR" b="1" dirty="0" smtClean="0"/>
+              <a:t>Module(TX</a:t>
+            </a:r>
+            <a:r>
+              <a:rPr lang="en-US" altLang="ko-KR" b="1" dirty="0"/>
+              <a:t>) </a:t>
+            </a:r>
+            <a:endParaRPr lang="ko-KR" altLang="en-US" dirty="0"/>
+          </a:p>
+        </p:txBody>
+      </p:sp>
+    </p:spTree>
+    <p:extLst>
+      <p:ext uri="{BB962C8B-B14F-4D97-AF65-F5344CB8AC3E}">
+        <p14:creationId xmlns:p14="http://schemas.microsoft.com/office/powerpoint/2010/main" val="1607343863"/>
+      </p:ext>
+    </p:extLst>
+  </p:cSld>
+  <p:clrMapOvr>
+    <a:masterClrMapping/>
+  </p:clrMapOvr>
+</p:sld>
+</file>
+
+<file path=ppt/slides/slide23.xml><?xml version="1.0" encoding="utf-8"?>
+<p:sld xmlns:a="http://schemas.openxmlformats.org/drawingml/2006/main" xmlns:r="http://schemas.openxmlformats.org/officeDocument/2006/relationships" xmlns:p="http://schemas.openxmlformats.org/presentationml/2006/main">
+  <p:cSld>
+    <p:spTree>
+      <p:nvGrpSpPr>
         <p:cNvPr id="1" name="">
           <a:extLst>
             <a:ext uri="{FF2B5EF4-FFF2-40B4-BE49-F238E27FC236}">
@@ -21909,7 +21976,7 @@
 </p:sld>
 </file>
 
-<file path=ppt/slides/slide23.xml><?xml version="1.0" encoding="utf-8"?>
+<file path=ppt/slides/slide24.xml><?xml version="1.0" encoding="utf-8"?>
 <p:sld xmlns:a="http://schemas.openxmlformats.org/drawingml/2006/main" xmlns:r="http://schemas.openxmlformats.org/officeDocument/2006/relationships" xmlns:p="http://schemas.openxmlformats.org/presentationml/2006/main">
   <p:cSld>
     <p:spTree>
@@ -22125,7 +22192,7 @@
 </p:sld>
 </file>
 
-<file path=ppt/slides/slide24.xml><?xml version="1.0" encoding="utf-8"?>
+<file path=ppt/slides/slide25.xml><?xml version="1.0" encoding="utf-8"?>
 <p:sld xmlns:a="http://schemas.openxmlformats.org/drawingml/2006/main" xmlns:r="http://schemas.openxmlformats.org/officeDocument/2006/relationships" xmlns:p="http://schemas.openxmlformats.org/presentationml/2006/main">
   <p:cSld>
     <p:spTree>
@@ -22306,7 +22373,7 @@
 </p:sld>
 </file>
 
-<file path=ppt/slides/slide25.xml><?xml version="1.0" encoding="utf-8"?>
+<file path=ppt/slides/slide26.xml><?xml version="1.0" encoding="utf-8"?>
 <p:sld xmlns:a="http://schemas.openxmlformats.org/drawingml/2006/main" xmlns:r="http://schemas.openxmlformats.org/officeDocument/2006/relationships" xmlns:p="http://schemas.openxmlformats.org/presentationml/2006/main">
   <p:cSld>
     <p:spTree>
@@ -22625,7 +22692,7 @@
 </p:sld>
 </file>
 
-<file path=ppt/slides/slide26.xml><?xml version="1.0" encoding="utf-8"?>
+<file path=ppt/slides/slide27.xml><?xml version="1.0" encoding="utf-8"?>
 <p:sld xmlns:a="http://schemas.openxmlformats.org/drawingml/2006/main" xmlns:r="http://schemas.openxmlformats.org/officeDocument/2006/relationships" xmlns:p="http://schemas.openxmlformats.org/presentationml/2006/main">
   <p:cSld>
     <p:spTree>
@@ -22946,7 +23013,7 @@
 </p:sld>
 </file>
 
-<file path=ppt/slides/slide27.xml><?xml version="1.0" encoding="utf-8"?>
+<file path=ppt/slides/slide28.xml><?xml version="1.0" encoding="utf-8"?>
 <p:sld xmlns:a="http://schemas.openxmlformats.org/drawingml/2006/main" xmlns:r="http://schemas.openxmlformats.org/officeDocument/2006/relationships" xmlns:p="http://schemas.openxmlformats.org/presentationml/2006/main">
   <p:cSld>
     <p:spTree>
@@ -23267,7 +23334,7 @@
 </p:sld>
 </file>
 
-<file path=ppt/slides/slide28.xml><?xml version="1.0" encoding="utf-8"?>
+<file path=ppt/slides/slide29.xml><?xml version="1.0" encoding="utf-8"?>
 <p:sld xmlns:a="http://schemas.openxmlformats.org/drawingml/2006/main" xmlns:r="http://schemas.openxmlformats.org/officeDocument/2006/relationships" xmlns:p="http://schemas.openxmlformats.org/presentationml/2006/main">
   <p:cSld>
     <p:spTree>
